--- a/09 Routing/Routing.pptx
+++ b/09 Routing/Routing.pptx
@@ -5,10 +5,10 @@
     <p:sldMasterId id="2147483648" r:id="rId1"/>
   </p:sldMasterIdLst>
   <p:notesMasterIdLst>
-    <p:notesMasterId r:id="rId21"/>
+    <p:notesMasterId r:id="rId20"/>
   </p:notesMasterIdLst>
   <p:handoutMasterIdLst>
-    <p:handoutMasterId r:id="rId22"/>
+    <p:handoutMasterId r:id="rId21"/>
   </p:handoutMasterIdLst>
   <p:sldIdLst>
     <p:sldId id="339" r:id="rId2"/>
@@ -27,9 +27,8 @@
     <p:sldId id="446" r:id="rId15"/>
     <p:sldId id="447" r:id="rId16"/>
     <p:sldId id="448" r:id="rId17"/>
-    <p:sldId id="450" r:id="rId18"/>
-    <p:sldId id="449" r:id="rId19"/>
-    <p:sldId id="473" r:id="rId20"/>
+    <p:sldId id="449" r:id="rId18"/>
+    <p:sldId id="473" r:id="rId19"/>
   </p:sldIdLst>
   <p:sldSz cx="9144000" cy="6858000" type="screen4x3"/>
   <p:notesSz cx="7104063" cy="10234613"/>
@@ -300,7 +299,7 @@
             <a:fld id="{87731427-D242-475D-9180-8940013A50B8}" type="datetimeFigureOut">
               <a:rPr lang="en-GB" smtClean="0"/>
               <a:pPr algn="l"/>
-              <a:t>22/11/2016</a:t>
+              <a:t>23/08/2017</a:t>
             </a:fld>
             <a:endParaRPr lang="en-GB" dirty="0"/>
           </a:p>
@@ -505,7 +504,7 @@
             <a:fld id="{BA521D56-F1F4-41A0-82EB-989F4F6F400D}" type="datetimeFigureOut">
               <a:rPr lang="fr-FR" smtClean="0"/>
               <a:pPr/>
-              <a:t>22/11/2016</a:t>
+              <a:t>23/08/2017</a:t>
             </a:fld>
             <a:endParaRPr lang="fr-FR"/>
           </a:p>
@@ -1033,7 +1032,7 @@
             <a:fld id="{973B10A7-8A2B-4F39-8160-83B51E5E9C07}" type="datetime1">
               <a:rPr lang="fr-FR" smtClean="0"/>
               <a:pPr/>
-              <a:t>22/11/2016</a:t>
+              <a:t>23/08/2017</a:t>
             </a:fld>
             <a:endParaRPr lang="fr-FR"/>
           </a:p>
@@ -1169,7 +1168,7 @@
             <a:fld id="{973B10A7-8A2B-4F39-8160-83B51E5E9C07}" type="datetime1">
               <a:rPr lang="fr-FR" smtClean="0"/>
               <a:pPr/>
-              <a:t>22/11/2016</a:t>
+              <a:t>23/08/2017</a:t>
             </a:fld>
             <a:endParaRPr lang="fr-FR"/>
           </a:p>
@@ -1305,7 +1304,7 @@
             <a:fld id="{973B10A7-8A2B-4F39-8160-83B51E5E9C07}" type="datetime1">
               <a:rPr lang="fr-FR" smtClean="0"/>
               <a:pPr/>
-              <a:t>22/11/2016</a:t>
+              <a:t>23/08/2017</a:t>
             </a:fld>
             <a:endParaRPr lang="fr-FR"/>
           </a:p>
@@ -1441,7 +1440,7 @@
             <a:fld id="{973B10A7-8A2B-4F39-8160-83B51E5E9C07}" type="datetime1">
               <a:rPr lang="fr-FR" smtClean="0"/>
               <a:pPr/>
-              <a:t>22/11/2016</a:t>
+              <a:t>23/08/2017</a:t>
             </a:fld>
             <a:endParaRPr lang="fr-FR"/>
           </a:p>
@@ -1577,7 +1576,7 @@
             <a:fld id="{973B10A7-8A2B-4F39-8160-83B51E5E9C07}" type="datetime1">
               <a:rPr lang="fr-FR" smtClean="0"/>
               <a:pPr/>
-              <a:t>22/11/2016</a:t>
+              <a:t>23/08/2017</a:t>
             </a:fld>
             <a:endParaRPr lang="fr-FR"/>
           </a:p>
@@ -1713,7 +1712,7 @@
             <a:fld id="{973B10A7-8A2B-4F39-8160-83B51E5E9C07}" type="datetime1">
               <a:rPr lang="fr-FR" smtClean="0"/>
               <a:pPr/>
-              <a:t>22/11/2016</a:t>
+              <a:t>23/08/2017</a:t>
             </a:fld>
             <a:endParaRPr lang="fr-FR"/>
           </a:p>
@@ -1849,143 +1848,7 @@
             <a:fld id="{973B10A7-8A2B-4F39-8160-83B51E5E9C07}" type="datetime1">
               <a:rPr lang="fr-FR" smtClean="0"/>
               <a:pPr/>
-              <a:t>22/11/2016</a:t>
-            </a:fld>
-            <a:endParaRPr lang="fr-FR"/>
-          </a:p>
-        </p:txBody>
-      </p:sp>
-    </p:spTree>
-    <p:extLst>
-      <p:ext uri="{BB962C8B-B14F-4D97-AF65-F5344CB8AC3E}">
-        <p14:creationId xmlns:p14="http://schemas.microsoft.com/office/powerpoint/2010/main" val="185757619"/>
-      </p:ext>
-    </p:extLst>
-  </p:cSld>
-  <p:clrMapOvr>
-    <a:masterClrMapping/>
-  </p:clrMapOvr>
-</p:notes>
-</file>
-
-<file path=ppt/notesSlides/notesSlide16.xml><?xml version="1.0" encoding="utf-8"?>
-<p:notes xmlns:a="http://schemas.openxmlformats.org/drawingml/2006/main" xmlns:r="http://schemas.openxmlformats.org/officeDocument/2006/relationships" xmlns:p="http://schemas.openxmlformats.org/presentationml/2006/main">
-  <p:cSld>
-    <p:spTree>
-      <p:nvGrpSpPr>
-        <p:cNvPr id="1" name=""/>
-        <p:cNvGrpSpPr/>
-        <p:nvPr/>
-      </p:nvGrpSpPr>
-      <p:grpSpPr>
-        <a:xfrm>
-          <a:off x="0" y="0"/>
-          <a:ext cx="0" cy="0"/>
-          <a:chOff x="0" y="0"/>
-          <a:chExt cx="0" cy="0"/>
-        </a:xfrm>
-      </p:grpSpPr>
-      <p:sp>
-        <p:nvSpPr>
-          <p:cNvPr id="10" name="Espace réservé de l'image des diapositives 9"/>
-          <p:cNvSpPr>
-            <a:spLocks noGrp="1" noRot="1" noChangeAspect="1"/>
-          </p:cNvSpPr>
-          <p:nvPr>
-            <p:ph type="sldImg"/>
-          </p:nvPr>
-        </p:nvSpPr>
-        <p:spPr/>
-      </p:sp>
-      <p:sp>
-        <p:nvSpPr>
-          <p:cNvPr id="11" name="Espace réservé des commentaires 10"/>
-          <p:cNvSpPr>
-            <a:spLocks noGrp="1"/>
-          </p:cNvSpPr>
-          <p:nvPr>
-            <p:ph type="body" idx="1"/>
-          </p:nvPr>
-        </p:nvSpPr>
-        <p:spPr/>
-        <p:txBody>
-          <a:bodyPr/>
-          <a:lstStyle/>
-          <a:p>
-            <a:endParaRPr lang="fr-FR"/>
-          </a:p>
-        </p:txBody>
-      </p:sp>
-      <p:sp>
-        <p:nvSpPr>
-          <p:cNvPr id="14" name="Espace réservé du pied de page 13"/>
-          <p:cNvSpPr>
-            <a:spLocks noGrp="1"/>
-          </p:cNvSpPr>
-          <p:nvPr>
-            <p:ph type="ftr" sz="quarter" idx="12"/>
-          </p:nvPr>
-        </p:nvSpPr>
-        <p:spPr/>
-        <p:txBody>
-          <a:bodyPr/>
-          <a:lstStyle/>
-          <a:p>
-            <a:r>
-              <a:rPr lang="en-GB" sz="1100" dirty="0"/>
-              <a:t>Titre de la </a:t>
-            </a:r>
-            <a:r>
-              <a:rPr lang="en-GB" sz="1100" dirty="0" err="1"/>
-              <a:t>présentation</a:t>
-            </a:r>
-            <a:endParaRPr lang="en-GB" sz="1100" dirty="0"/>
-          </a:p>
-        </p:txBody>
-      </p:sp>
-      <p:sp>
-        <p:nvSpPr>
-          <p:cNvPr id="15" name="Espace réservé du numéro de diapositive 14"/>
-          <p:cNvSpPr>
-            <a:spLocks noGrp="1"/>
-          </p:cNvSpPr>
-          <p:nvPr>
-            <p:ph type="sldNum" sz="quarter" idx="13"/>
-          </p:nvPr>
-        </p:nvSpPr>
-        <p:spPr/>
-        <p:txBody>
-          <a:bodyPr/>
-          <a:lstStyle/>
-          <a:p>
-            <a:fld id="{305287CA-3E72-4A91-B59B-B69F40801570}" type="slidenum">
-              <a:rPr lang="en-GB" sz="1100" smtClean="0"/>
-              <a:pPr/>
-              <a:t>19</a:t>
-            </a:fld>
-            <a:endParaRPr lang="en-GB" sz="1100" dirty="0"/>
-          </a:p>
-        </p:txBody>
-      </p:sp>
-      <p:sp>
-        <p:nvSpPr>
-          <p:cNvPr id="2" name="Espace réservé de la date 1"/>
-          <p:cNvSpPr>
-            <a:spLocks noGrp="1"/>
-          </p:cNvSpPr>
-          <p:nvPr>
-            <p:ph type="dt" idx="14"/>
-          </p:nvPr>
-        </p:nvSpPr>
-        <p:spPr/>
-        <p:txBody>
-          <a:bodyPr/>
-          <a:lstStyle/>
-          <a:p>
-            <a:fld id="{973B10A7-8A2B-4F39-8160-83B51E5E9C07}" type="datetime1">
-              <a:rPr lang="fr-FR" smtClean="0"/>
-              <a:pPr/>
-              <a:t>22/11/2016</a:t>
+              <a:t>23/08/2017</a:t>
             </a:fld>
             <a:endParaRPr lang="fr-FR"/>
           </a:p>
@@ -2121,7 +1984,7 @@
             <a:fld id="{973B10A7-8A2B-4F39-8160-83B51E5E9C07}" type="datetime1">
               <a:rPr lang="fr-FR" smtClean="0"/>
               <a:pPr/>
-              <a:t>22/11/2016</a:t>
+              <a:t>23/08/2017</a:t>
             </a:fld>
             <a:endParaRPr lang="fr-FR"/>
           </a:p>
@@ -2257,7 +2120,7 @@
             <a:fld id="{973B10A7-8A2B-4F39-8160-83B51E5E9C07}" type="datetime1">
               <a:rPr lang="fr-FR" smtClean="0"/>
               <a:pPr/>
-              <a:t>22/11/2016</a:t>
+              <a:t>23/08/2017</a:t>
             </a:fld>
             <a:endParaRPr lang="fr-FR"/>
           </a:p>
@@ -2393,7 +2256,7 @@
             <a:fld id="{973B10A7-8A2B-4F39-8160-83B51E5E9C07}" type="datetime1">
               <a:rPr lang="fr-FR" smtClean="0"/>
               <a:pPr/>
-              <a:t>22/11/2016</a:t>
+              <a:t>23/08/2017</a:t>
             </a:fld>
             <a:endParaRPr lang="fr-FR"/>
           </a:p>
@@ -2529,7 +2392,7 @@
             <a:fld id="{973B10A7-8A2B-4F39-8160-83B51E5E9C07}" type="datetime1">
               <a:rPr lang="fr-FR" smtClean="0"/>
               <a:pPr/>
-              <a:t>22/11/2016</a:t>
+              <a:t>23/08/2017</a:t>
             </a:fld>
             <a:endParaRPr lang="fr-FR"/>
           </a:p>
@@ -2665,7 +2528,7 @@
             <a:fld id="{973B10A7-8A2B-4F39-8160-83B51E5E9C07}" type="datetime1">
               <a:rPr lang="fr-FR" smtClean="0"/>
               <a:pPr/>
-              <a:t>22/11/2016</a:t>
+              <a:t>23/08/2017</a:t>
             </a:fld>
             <a:endParaRPr lang="fr-FR"/>
           </a:p>
@@ -2801,7 +2664,7 @@
             <a:fld id="{973B10A7-8A2B-4F39-8160-83B51E5E9C07}" type="datetime1">
               <a:rPr lang="fr-FR" smtClean="0"/>
               <a:pPr/>
-              <a:t>22/11/2016</a:t>
+              <a:t>23/08/2017</a:t>
             </a:fld>
             <a:endParaRPr lang="fr-FR"/>
           </a:p>
@@ -2937,7 +2800,7 @@
             <a:fld id="{973B10A7-8A2B-4F39-8160-83B51E5E9C07}" type="datetime1">
               <a:rPr lang="fr-FR" smtClean="0"/>
               <a:pPr/>
-              <a:t>22/11/2016</a:t>
+              <a:t>23/08/2017</a:t>
             </a:fld>
             <a:endParaRPr lang="fr-FR"/>
           </a:p>
@@ -3073,7 +2936,7 @@
             <a:fld id="{973B10A7-8A2B-4F39-8160-83B51E5E9C07}" type="datetime1">
               <a:rPr lang="fr-FR" smtClean="0"/>
               <a:pPr/>
-              <a:t>22/11/2016</a:t>
+              <a:t>23/08/2017</a:t>
             </a:fld>
             <a:endParaRPr lang="fr-FR"/>
           </a:p>
@@ -12590,8 +12453,8 @@
           <a:lstStyle/>
           <a:p>
             <a:r>
-              <a:rPr lang="fr-FR" cap="none" dirty="0" err="1"/>
-              <a:t>AngularJS</a:t>
+              <a:rPr lang="fr-FR" cap="none" dirty="0" smtClean="0"/>
+              <a:t>Router</a:t>
             </a:r>
             <a:endParaRPr lang="en-GB" cap="none" dirty="0"/>
           </a:p>
@@ -12616,195 +12479,6 @@
               <a:rPr lang="fr-FR" smtClean="0"/>
               <a:pPr/>
               <a:t>17</a:t>
-            </a:fld>
-            <a:endParaRPr lang="fr-FR" dirty="0"/>
-          </a:p>
-        </p:txBody>
-      </p:sp>
-      <p:sp>
-        <p:nvSpPr>
-          <p:cNvPr id="10" name="Espace réservé du texte 9"/>
-          <p:cNvSpPr>
-            <a:spLocks noGrp="1"/>
-          </p:cNvSpPr>
-          <p:nvPr>
-            <p:ph type="body" sz="quarter" idx="13"/>
-          </p:nvPr>
-        </p:nvSpPr>
-        <p:spPr bwMode="gray"/>
-        <p:txBody>
-          <a:bodyPr/>
-          <a:lstStyle/>
-          <a:p>
-            <a:r>
-              <a:rPr lang="en-GB" cap="none" dirty="0"/>
-              <a:t>Debugging state change</a:t>
-            </a:r>
-          </a:p>
-        </p:txBody>
-      </p:sp>
-      <p:sp>
-        <p:nvSpPr>
-          <p:cNvPr id="6" name="Espace réservé du pied de page 5"/>
-          <p:cNvSpPr>
-            <a:spLocks noGrp="1"/>
-          </p:cNvSpPr>
-          <p:nvPr>
-            <p:ph type="ftr" sz="quarter" idx="11"/>
-          </p:nvPr>
-        </p:nvSpPr>
-        <p:spPr/>
-        <p:txBody>
-          <a:bodyPr/>
-          <a:lstStyle/>
-          <a:p>
-            <a:r>
-              <a:rPr lang="fr-FR"/>
-              <a:t>Nom de la présentation</a:t>
-            </a:r>
-            <a:endParaRPr lang="fr-FR" dirty="0"/>
-          </a:p>
-        </p:txBody>
-      </p:sp>
-      <p:pic>
-        <p:nvPicPr>
-          <p:cNvPr id="1026" name="Picture 2"/>
-          <p:cNvPicPr>
-            <a:picLocks noChangeAspect="1" noChangeArrowheads="1"/>
-          </p:cNvPicPr>
-          <p:nvPr/>
-        </p:nvPicPr>
-        <p:blipFill>
-          <a:blip r:embed="rId3"/>
-          <a:srcRect/>
-          <a:stretch>
-            <a:fillRect/>
-          </a:stretch>
-        </p:blipFill>
-        <p:spPr bwMode="auto">
-          <a:xfrm>
-            <a:off x="285750" y="1185863"/>
-            <a:ext cx="8858250" cy="5210175"/>
-          </a:xfrm>
-          <a:prstGeom prst="rect">
-            <a:avLst/>
-          </a:prstGeom>
-          <a:noFill/>
-          <a:ln w="9525">
-            <a:noFill/>
-            <a:miter lim="800000"/>
-            <a:headEnd/>
-            <a:tailEnd/>
-          </a:ln>
-          <a:effectLst/>
-        </p:spPr>
-      </p:pic>
-    </p:spTree>
-    <p:extLst>
-      <p:ext uri="{BB962C8B-B14F-4D97-AF65-F5344CB8AC3E}">
-        <p14:creationId xmlns:p14="http://schemas.microsoft.com/office/powerpoint/2010/main" val="2526031973"/>
-      </p:ext>
-    </p:extLst>
-  </p:cSld>
-  <p:clrMapOvr>
-    <a:masterClrMapping/>
-  </p:clrMapOvr>
-  <p:timing>
-    <p:tnLst>
-      <p:par>
-        <p:cTn id="1" dur="indefinite" restart="never" nodeType="tmRoot"/>
-      </p:par>
-    </p:tnLst>
-  </p:timing>
-</p:sld>
-</file>
-
-<file path=ppt/slides/slide18.xml><?xml version="1.0" encoding="utf-8"?>
-<p:sld xmlns:a="http://schemas.openxmlformats.org/drawingml/2006/main" xmlns:r="http://schemas.openxmlformats.org/officeDocument/2006/relationships" xmlns:p="http://schemas.openxmlformats.org/presentationml/2006/main">
-  <p:cSld>
-    <p:spTree>
-      <p:nvGrpSpPr>
-        <p:cNvPr id="1" name=""/>
-        <p:cNvGrpSpPr/>
-        <p:nvPr/>
-      </p:nvGrpSpPr>
-      <p:grpSpPr>
-        <a:xfrm>
-          <a:off x="0" y="0"/>
-          <a:ext cx="0" cy="0"/>
-          <a:chOff x="0" y="0"/>
-          <a:chExt cx="0" cy="0"/>
-        </a:xfrm>
-      </p:grpSpPr>
-      <p:sp>
-        <p:nvSpPr>
-          <p:cNvPr id="2" name="Espace réservé du contenu 1"/>
-          <p:cNvSpPr>
-            <a:spLocks noGrp="1"/>
-          </p:cNvSpPr>
-          <p:nvPr>
-            <p:ph idx="1"/>
-          </p:nvPr>
-        </p:nvSpPr>
-        <p:spPr bwMode="gray"/>
-        <p:txBody>
-          <a:bodyPr/>
-          <a:lstStyle/>
-          <a:p>
-            <a:r>
-              <a:rPr lang="en-US" dirty="0"/>
-              <a:t> </a:t>
-            </a:r>
-          </a:p>
-        </p:txBody>
-      </p:sp>
-      <p:sp>
-        <p:nvSpPr>
-          <p:cNvPr id="3" name="Titre 2"/>
-          <p:cNvSpPr>
-            <a:spLocks noGrp="1"/>
-          </p:cNvSpPr>
-          <p:nvPr>
-            <p:ph type="title"/>
-          </p:nvPr>
-        </p:nvSpPr>
-        <p:spPr bwMode="gray">
-          <a:xfrm>
-            <a:off x="544439" y="260648"/>
-            <a:ext cx="8045374" cy="332546"/>
-          </a:xfrm>
-        </p:spPr>
-        <p:txBody>
-          <a:bodyPr/>
-          <a:lstStyle/>
-          <a:p>
-            <a:r>
-              <a:rPr lang="fr-FR" cap="none" dirty="0" smtClean="0"/>
-              <a:t>Router</a:t>
-            </a:r>
-            <a:endParaRPr lang="en-GB" cap="none" dirty="0"/>
-          </a:p>
-        </p:txBody>
-      </p:sp>
-      <p:sp>
-        <p:nvSpPr>
-          <p:cNvPr id="5" name="Espace réservé du numéro de diapositive 4"/>
-          <p:cNvSpPr>
-            <a:spLocks noGrp="1"/>
-          </p:cNvSpPr>
-          <p:nvPr>
-            <p:ph type="sldNum" sz="quarter" idx="12"/>
-          </p:nvPr>
-        </p:nvSpPr>
-        <p:spPr bwMode="gray"/>
-        <p:txBody>
-          <a:bodyPr/>
-          <a:lstStyle/>
-          <a:p>
-            <a:fld id="{AF43E6FD-AB27-4108-A2FC-346BB5F75E3F}" type="slidenum">
-              <a:rPr lang="fr-FR" smtClean="0"/>
-              <a:pPr/>
-              <a:t>18</a:t>
             </a:fld>
             <a:endParaRPr lang="fr-FR" dirty="0"/>
           </a:p>
@@ -12904,7 +12578,7 @@
 </p:sld>
 </file>
 
-<file path=ppt/slides/slide19.xml><?xml version="1.0" encoding="utf-8"?>
+<file path=ppt/slides/slide18.xml><?xml version="1.0" encoding="utf-8"?>
 <p:sld xmlns:a="http://schemas.openxmlformats.org/drawingml/2006/main" xmlns:r="http://schemas.openxmlformats.org/officeDocument/2006/relationships" xmlns:p="http://schemas.openxmlformats.org/presentationml/2006/main">
   <p:cSld>
     <p:spTree>
@@ -13027,7 +12701,7 @@
             <a:fld id="{AF43E6FD-AB27-4108-A2FC-346BB5F75E3F}" type="slidenum">
               <a:rPr lang="fr-FR" smtClean="0"/>
               <a:pPr/>
-              <a:t>19</a:t>
+              <a:t>18</a:t>
             </a:fld>
             <a:endParaRPr lang="fr-FR" dirty="0"/>
           </a:p>
@@ -13205,11 +12879,7 @@
           <a:p>
             <a:r>
               <a:rPr lang="fr-FR" dirty="0" smtClean="0"/>
-              <a:t>Service </a:t>
-            </a:r>
-            <a:r>
-              <a:rPr lang="fr-FR" dirty="0" smtClean="0"/>
-              <a:t>area = real content</a:t>
+              <a:t>Service area = real content</a:t>
             </a:r>
           </a:p>
           <a:p>
@@ -13260,7 +12930,6 @@
               <a:rPr lang="fr-FR" dirty="0" smtClean="0"/>
               <a:t> a state/service</a:t>
             </a:r>
-            <a:endParaRPr lang="fr-FR" dirty="0" smtClean="0"/>
           </a:p>
           <a:p>
             <a:pPr lvl="1"/>
@@ -14926,12 +14595,13 @@
             <a:endParaRPr lang="en-US" dirty="0"/>
           </a:p>
           <a:p>
-            <a:endParaRPr lang="en-US" dirty="0"/>
-          </a:p>
-          <a:p>
+            <a:r>
+              <a:rPr lang="en-US" dirty="0" smtClean="0"/>
+              <a:t>If </a:t>
+            </a:r>
             <a:r>
               <a:rPr lang="en-US" dirty="0"/>
-              <a:t>If you want to refresh data, use the reload </a:t>
+              <a:t>you want to refresh data, use the reload </a:t>
             </a:r>
             <a:r>
               <a:rPr lang="en-US" dirty="0" err="1"/>
@@ -15122,7 +14792,7 @@
         </p:blipFill>
         <p:spPr bwMode="auto">
           <a:xfrm>
-            <a:off x="1375259" y="5326423"/>
+            <a:off x="1375259" y="5426414"/>
             <a:ext cx="5212090" cy="542926"/>
           </a:xfrm>
           <a:prstGeom prst="rect">

--- a/09 Routing/Routing.pptx
+++ b/09 Routing/Routing.pptx
@@ -5,10 +5,10 @@
     <p:sldMasterId id="2147483648" r:id="rId1"/>
   </p:sldMasterIdLst>
   <p:notesMasterIdLst>
-    <p:notesMasterId r:id="rId20"/>
+    <p:notesMasterId r:id="rId18"/>
   </p:notesMasterIdLst>
   <p:handoutMasterIdLst>
-    <p:handoutMasterId r:id="rId21"/>
+    <p:handoutMasterId r:id="rId19"/>
   </p:handoutMasterIdLst>
   <p:sldIdLst>
     <p:sldId id="339" r:id="rId2"/>
@@ -21,14 +21,12 @@
     <p:sldId id="441" r:id="rId9"/>
     <p:sldId id="442" r:id="rId10"/>
     <p:sldId id="443" r:id="rId11"/>
-    <p:sldId id="462" r:id="rId12"/>
-    <p:sldId id="444" r:id="rId13"/>
-    <p:sldId id="470" r:id="rId14"/>
-    <p:sldId id="446" r:id="rId15"/>
-    <p:sldId id="447" r:id="rId16"/>
-    <p:sldId id="448" r:id="rId17"/>
-    <p:sldId id="449" r:id="rId18"/>
-    <p:sldId id="473" r:id="rId19"/>
+    <p:sldId id="444" r:id="rId12"/>
+    <p:sldId id="462" r:id="rId13"/>
+    <p:sldId id="446" r:id="rId14"/>
+    <p:sldId id="447" r:id="rId15"/>
+    <p:sldId id="448" r:id="rId16"/>
+    <p:sldId id="449" r:id="rId17"/>
   </p:sldIdLst>
   <p:sldSz cx="9144000" cy="6858000" type="screen4x3"/>
   <p:notesSz cx="7104063" cy="10234613"/>
@@ -1280,7 +1278,7 @@
             <a:fld id="{305287CA-3E72-4A91-B59B-B69F40801570}" type="slidenum">
               <a:rPr lang="en-GB" sz="1100" smtClean="0"/>
               <a:pPr/>
-              <a:t>14</a:t>
+              <a:t>13</a:t>
             </a:fld>
             <a:endParaRPr lang="en-GB" sz="1100" dirty="0"/>
           </a:p>
@@ -1416,7 +1414,7 @@
             <a:fld id="{305287CA-3E72-4A91-B59B-B69F40801570}" type="slidenum">
               <a:rPr lang="en-GB" sz="1100" smtClean="0"/>
               <a:pPr/>
-              <a:t>15</a:t>
+              <a:t>14</a:t>
             </a:fld>
             <a:endParaRPr lang="en-GB" sz="1100" dirty="0"/>
           </a:p>
@@ -1552,7 +1550,7 @@
             <a:fld id="{305287CA-3E72-4A91-B59B-B69F40801570}" type="slidenum">
               <a:rPr lang="en-GB" sz="1100" smtClean="0"/>
               <a:pPr/>
-              <a:t>16</a:t>
+              <a:t>15</a:t>
             </a:fld>
             <a:endParaRPr lang="en-GB" sz="1100" dirty="0"/>
           </a:p>
@@ -1688,7 +1686,7 @@
             <a:fld id="{305287CA-3E72-4A91-B59B-B69F40801570}" type="slidenum">
               <a:rPr lang="en-GB" sz="1100" smtClean="0"/>
               <a:pPr/>
-              <a:t>17</a:t>
+              <a:t>16</a:t>
             </a:fld>
             <a:endParaRPr lang="en-GB" sz="1100" dirty="0"/>
           </a:p>
@@ -1722,142 +1720,6 @@
     <p:extLst>
       <p:ext uri="{BB962C8B-B14F-4D97-AF65-F5344CB8AC3E}">
         <p14:creationId xmlns:p14="http://schemas.microsoft.com/office/powerpoint/2010/main" val="185757619"/>
-      </p:ext>
-    </p:extLst>
-  </p:cSld>
-  <p:clrMapOvr>
-    <a:masterClrMapping/>
-  </p:clrMapOvr>
-</p:notes>
-</file>
-
-<file path=ppt/notesSlides/notesSlide15.xml><?xml version="1.0" encoding="utf-8"?>
-<p:notes xmlns:a="http://schemas.openxmlformats.org/drawingml/2006/main" xmlns:r="http://schemas.openxmlformats.org/officeDocument/2006/relationships" xmlns:p="http://schemas.openxmlformats.org/presentationml/2006/main">
-  <p:cSld>
-    <p:spTree>
-      <p:nvGrpSpPr>
-        <p:cNvPr id="1" name=""/>
-        <p:cNvGrpSpPr/>
-        <p:nvPr/>
-      </p:nvGrpSpPr>
-      <p:grpSpPr>
-        <a:xfrm>
-          <a:off x="0" y="0"/>
-          <a:ext cx="0" cy="0"/>
-          <a:chOff x="0" y="0"/>
-          <a:chExt cx="0" cy="0"/>
-        </a:xfrm>
-      </p:grpSpPr>
-      <p:sp>
-        <p:nvSpPr>
-          <p:cNvPr id="10" name="Espace réservé de l'image des diapositives 9"/>
-          <p:cNvSpPr>
-            <a:spLocks noGrp="1" noRot="1" noChangeAspect="1"/>
-          </p:cNvSpPr>
-          <p:nvPr>
-            <p:ph type="sldImg"/>
-          </p:nvPr>
-        </p:nvSpPr>
-        <p:spPr/>
-      </p:sp>
-      <p:sp>
-        <p:nvSpPr>
-          <p:cNvPr id="11" name="Espace réservé des commentaires 10"/>
-          <p:cNvSpPr>
-            <a:spLocks noGrp="1"/>
-          </p:cNvSpPr>
-          <p:nvPr>
-            <p:ph type="body" idx="1"/>
-          </p:nvPr>
-        </p:nvSpPr>
-        <p:spPr/>
-        <p:txBody>
-          <a:bodyPr/>
-          <a:lstStyle/>
-          <a:p>
-            <a:endParaRPr lang="fr-FR"/>
-          </a:p>
-        </p:txBody>
-      </p:sp>
-      <p:sp>
-        <p:nvSpPr>
-          <p:cNvPr id="14" name="Espace réservé du pied de page 13"/>
-          <p:cNvSpPr>
-            <a:spLocks noGrp="1"/>
-          </p:cNvSpPr>
-          <p:nvPr>
-            <p:ph type="ftr" sz="quarter" idx="12"/>
-          </p:nvPr>
-        </p:nvSpPr>
-        <p:spPr/>
-        <p:txBody>
-          <a:bodyPr/>
-          <a:lstStyle/>
-          <a:p>
-            <a:r>
-              <a:rPr lang="en-GB" sz="1100" dirty="0"/>
-              <a:t>Titre de la </a:t>
-            </a:r>
-            <a:r>
-              <a:rPr lang="en-GB" sz="1100" dirty="0" err="1"/>
-              <a:t>présentation</a:t>
-            </a:r>
-            <a:endParaRPr lang="en-GB" sz="1100" dirty="0"/>
-          </a:p>
-        </p:txBody>
-      </p:sp>
-      <p:sp>
-        <p:nvSpPr>
-          <p:cNvPr id="15" name="Espace réservé du numéro de diapositive 14"/>
-          <p:cNvSpPr>
-            <a:spLocks noGrp="1"/>
-          </p:cNvSpPr>
-          <p:nvPr>
-            <p:ph type="sldNum" sz="quarter" idx="13"/>
-          </p:nvPr>
-        </p:nvSpPr>
-        <p:spPr/>
-        <p:txBody>
-          <a:bodyPr/>
-          <a:lstStyle/>
-          <a:p>
-            <a:fld id="{305287CA-3E72-4A91-B59B-B69F40801570}" type="slidenum">
-              <a:rPr lang="en-GB" sz="1100" smtClean="0"/>
-              <a:pPr/>
-              <a:t>18</a:t>
-            </a:fld>
-            <a:endParaRPr lang="en-GB" sz="1100" dirty="0"/>
-          </a:p>
-        </p:txBody>
-      </p:sp>
-      <p:sp>
-        <p:nvSpPr>
-          <p:cNvPr id="2" name="Espace réservé de la date 1"/>
-          <p:cNvSpPr>
-            <a:spLocks noGrp="1"/>
-          </p:cNvSpPr>
-          <p:nvPr>
-            <p:ph type="dt" idx="14"/>
-          </p:nvPr>
-        </p:nvSpPr>
-        <p:spPr/>
-        <p:txBody>
-          <a:bodyPr/>
-          <a:lstStyle/>
-          <a:p>
-            <a:fld id="{973B10A7-8A2B-4F39-8160-83B51E5E9C07}" type="datetime1">
-              <a:rPr lang="fr-FR" smtClean="0"/>
-              <a:pPr/>
-              <a:t>23/08/2017</a:t>
-            </a:fld>
-            <a:endParaRPr lang="fr-FR"/>
-          </a:p>
-        </p:txBody>
-      </p:sp>
-    </p:spTree>
-    <p:extLst>
-      <p:ext uri="{BB962C8B-B14F-4D97-AF65-F5344CB8AC3E}">
-        <p14:creationId xmlns:p14="http://schemas.microsoft.com/office/powerpoint/2010/main" val="274396409"/>
       </p:ext>
     </p:extLst>
   </p:cSld>
@@ -11091,8 +10953,8 @@
         </p:nvSpPr>
         <p:spPr bwMode="gray">
           <a:xfrm>
-            <a:off x="418356" y="1373585"/>
-            <a:ext cx="2745023" cy="4681537"/>
+            <a:off x="397394" y="1373585"/>
+            <a:ext cx="8088511" cy="4681537"/>
           </a:xfrm>
         </p:spPr>
         <p:txBody>
@@ -11100,8 +10962,78 @@
           <a:lstStyle/>
           <a:p>
             <a:r>
-              <a:rPr lang="en-US" sz="1600" dirty="0"/>
-              <a:t>Resolution gives a chance to prepare data and inject them in the controller when they are ready. </a:t>
+              <a:rPr lang="en-US" dirty="0"/>
+              <a:t>UI-Router syntax : JS Navigation to the state '</a:t>
+            </a:r>
+            <a:r>
+              <a:rPr lang="en-US" dirty="0" err="1"/>
+              <a:t>main.films.edit</a:t>
+            </a:r>
+            <a:r>
+              <a:rPr lang="en-US" dirty="0"/>
+              <a:t>' with the URL </a:t>
+            </a:r>
+            <a:r>
+              <a:rPr lang="en-US" dirty="0" err="1"/>
+              <a:t>param</a:t>
+            </a:r>
+            <a:r>
+              <a:rPr lang="en-US" dirty="0"/>
+              <a:t> </a:t>
+            </a:r>
+            <a:r>
+              <a:rPr lang="en-US" dirty="0" err="1"/>
+              <a:t>filmId</a:t>
+            </a:r>
+            <a:r>
+              <a:rPr lang="en-US" dirty="0"/>
+              <a:t> </a:t>
+            </a:r>
+          </a:p>
+          <a:p>
+            <a:pPr lvl="1"/>
+            <a:r>
+              <a:rPr lang="en-US" dirty="0"/>
+              <a:t>Starting the </a:t>
+            </a:r>
+            <a:r>
+              <a:rPr lang="en-US" dirty="0" err="1"/>
+              <a:t>nav</a:t>
+            </a:r>
+            <a:r>
+              <a:rPr lang="en-US" dirty="0"/>
+              <a:t> in JS :</a:t>
+            </a:r>
+          </a:p>
+          <a:p>
+            <a:pPr lvl="1"/>
+            <a:endParaRPr lang="en-US" dirty="0"/>
+          </a:p>
+          <a:p>
+            <a:pPr lvl="1"/>
+            <a:endParaRPr lang="en-US" dirty="0"/>
+          </a:p>
+          <a:p>
+            <a:pPr lvl="1"/>
+            <a:endParaRPr lang="en-US" dirty="0"/>
+          </a:p>
+          <a:p>
+            <a:pPr lvl="1"/>
+            <a:endParaRPr lang="en-US" dirty="0"/>
+          </a:p>
+          <a:p>
+            <a:pPr lvl="1"/>
+            <a:r>
+              <a:rPr lang="en-US" dirty="0"/>
+              <a:t>On the </a:t>
+            </a:r>
+            <a:r>
+              <a:rPr lang="en-US" dirty="0" err="1"/>
+              <a:t>FilmEditController</a:t>
+            </a:r>
+            <a:r>
+              <a:rPr lang="en-US" dirty="0"/>
+              <a:t> : selection on the film to edit :</a:t>
             </a:r>
           </a:p>
         </p:txBody>
@@ -11153,269 +11085,6 @@
               <a:rPr lang="fr-FR" smtClean="0"/>
               <a:pPr/>
               <a:t>11</a:t>
-            </a:fld>
-            <a:endParaRPr lang="fr-FR" dirty="0"/>
-          </a:p>
-        </p:txBody>
-      </p:sp>
-      <p:sp>
-        <p:nvSpPr>
-          <p:cNvPr id="10" name="Espace réservé du texte 9"/>
-          <p:cNvSpPr>
-            <a:spLocks noGrp="1"/>
-          </p:cNvSpPr>
-          <p:nvPr>
-            <p:ph type="body" sz="quarter" idx="13"/>
-          </p:nvPr>
-        </p:nvSpPr>
-        <p:spPr bwMode="gray"/>
-        <p:txBody>
-          <a:bodyPr/>
-          <a:lstStyle/>
-          <a:p>
-            <a:r>
-              <a:rPr lang="en-GB" cap="none" dirty="0"/>
-              <a:t>Using state </a:t>
-            </a:r>
-            <a:r>
-              <a:rPr lang="en-GB" cap="none" dirty="0" err="1"/>
-              <a:t>param</a:t>
-            </a:r>
-            <a:r>
-              <a:rPr lang="en-GB" cap="none" dirty="0"/>
-              <a:t> in URL resolve ....</a:t>
-            </a:r>
-          </a:p>
-        </p:txBody>
-      </p:sp>
-      <p:sp>
-        <p:nvSpPr>
-          <p:cNvPr id="6" name="Espace réservé du pied de page 5"/>
-          <p:cNvSpPr>
-            <a:spLocks noGrp="1"/>
-          </p:cNvSpPr>
-          <p:nvPr>
-            <p:ph type="ftr" sz="quarter" idx="11"/>
-          </p:nvPr>
-        </p:nvSpPr>
-        <p:spPr/>
-        <p:txBody>
-          <a:bodyPr/>
-          <a:lstStyle/>
-          <a:p>
-            <a:r>
-              <a:rPr lang="fr-FR"/>
-              <a:t>Nom de la présentation</a:t>
-            </a:r>
-            <a:endParaRPr lang="fr-FR" dirty="0"/>
-          </a:p>
-        </p:txBody>
-      </p:sp>
-      <p:pic>
-        <p:nvPicPr>
-          <p:cNvPr id="7" name="Image 6"/>
-          <p:cNvPicPr>
-            <a:picLocks noChangeAspect="1"/>
-          </p:cNvPicPr>
-          <p:nvPr/>
-        </p:nvPicPr>
-        <p:blipFill>
-          <a:blip r:embed="rId3"/>
-          <a:stretch>
-            <a:fillRect/>
-          </a:stretch>
-        </p:blipFill>
-        <p:spPr>
-          <a:xfrm>
-            <a:off x="3332013" y="1304528"/>
-            <a:ext cx="5257800" cy="4819650"/>
-          </a:xfrm>
-          <a:prstGeom prst="rect">
-            <a:avLst/>
-          </a:prstGeom>
-        </p:spPr>
-      </p:pic>
-    </p:spTree>
-    <p:extLst>
-      <p:ext uri="{BB962C8B-B14F-4D97-AF65-F5344CB8AC3E}">
-        <p14:creationId xmlns:p14="http://schemas.microsoft.com/office/powerpoint/2010/main" val="2526031973"/>
-      </p:ext>
-    </p:extLst>
-  </p:cSld>
-  <p:clrMapOvr>
-    <a:masterClrMapping/>
-  </p:clrMapOvr>
-  <p:timing>
-    <p:tnLst>
-      <p:par>
-        <p:cTn id="1" dur="indefinite" restart="never" nodeType="tmRoot"/>
-      </p:par>
-    </p:tnLst>
-  </p:timing>
-</p:sld>
-</file>
-
-<file path=ppt/slides/slide12.xml><?xml version="1.0" encoding="utf-8"?>
-<p:sld xmlns:a="http://schemas.openxmlformats.org/drawingml/2006/main" xmlns:r="http://schemas.openxmlformats.org/officeDocument/2006/relationships" xmlns:p="http://schemas.openxmlformats.org/presentationml/2006/main">
-  <p:cSld>
-    <p:spTree>
-      <p:nvGrpSpPr>
-        <p:cNvPr id="1" name=""/>
-        <p:cNvGrpSpPr/>
-        <p:nvPr/>
-      </p:nvGrpSpPr>
-      <p:grpSpPr>
-        <a:xfrm>
-          <a:off x="0" y="0"/>
-          <a:ext cx="0" cy="0"/>
-          <a:chOff x="0" y="0"/>
-          <a:chExt cx="0" cy="0"/>
-        </a:xfrm>
-      </p:grpSpPr>
-      <p:sp>
-        <p:nvSpPr>
-          <p:cNvPr id="2" name="Espace réservé du contenu 1"/>
-          <p:cNvSpPr>
-            <a:spLocks noGrp="1"/>
-          </p:cNvSpPr>
-          <p:nvPr>
-            <p:ph idx="1"/>
-          </p:nvPr>
-        </p:nvSpPr>
-        <p:spPr bwMode="gray">
-          <a:xfrm>
-            <a:off x="397394" y="1373585"/>
-            <a:ext cx="8088511" cy="4681537"/>
-          </a:xfrm>
-        </p:spPr>
-        <p:txBody>
-          <a:bodyPr/>
-          <a:lstStyle/>
-          <a:p>
-            <a:r>
-              <a:rPr lang="en-US" dirty="0"/>
-              <a:t>UI-Router syntax : JS Navigation to the state '</a:t>
-            </a:r>
-            <a:r>
-              <a:rPr lang="en-US" dirty="0" err="1"/>
-              <a:t>main.films.edit</a:t>
-            </a:r>
-            <a:r>
-              <a:rPr lang="en-US" dirty="0"/>
-              <a:t>' with the URL </a:t>
-            </a:r>
-            <a:r>
-              <a:rPr lang="en-US" dirty="0" err="1"/>
-              <a:t>param</a:t>
-            </a:r>
-            <a:r>
-              <a:rPr lang="en-US" dirty="0"/>
-              <a:t> </a:t>
-            </a:r>
-            <a:r>
-              <a:rPr lang="en-US" dirty="0" err="1"/>
-              <a:t>filmId</a:t>
-            </a:r>
-            <a:r>
-              <a:rPr lang="en-US" dirty="0"/>
-              <a:t> </a:t>
-            </a:r>
-          </a:p>
-          <a:p>
-            <a:pPr lvl="1"/>
-            <a:r>
-              <a:rPr lang="en-US" dirty="0"/>
-              <a:t>Starting the </a:t>
-            </a:r>
-            <a:r>
-              <a:rPr lang="en-US" dirty="0" err="1"/>
-              <a:t>nav</a:t>
-            </a:r>
-            <a:r>
-              <a:rPr lang="en-US" dirty="0"/>
-              <a:t> in JS :</a:t>
-            </a:r>
-          </a:p>
-          <a:p>
-            <a:pPr lvl="1"/>
-            <a:endParaRPr lang="en-US" dirty="0"/>
-          </a:p>
-          <a:p>
-            <a:pPr lvl="1"/>
-            <a:endParaRPr lang="en-US" dirty="0"/>
-          </a:p>
-          <a:p>
-            <a:pPr lvl="1"/>
-            <a:endParaRPr lang="en-US" dirty="0"/>
-          </a:p>
-          <a:p>
-            <a:pPr lvl="1"/>
-            <a:endParaRPr lang="en-US" dirty="0"/>
-          </a:p>
-          <a:p>
-            <a:pPr lvl="1"/>
-            <a:r>
-              <a:rPr lang="en-US" dirty="0"/>
-              <a:t>On the </a:t>
-            </a:r>
-            <a:r>
-              <a:rPr lang="en-US" dirty="0" err="1"/>
-              <a:t>FilmEditController</a:t>
-            </a:r>
-            <a:r>
-              <a:rPr lang="en-US" dirty="0"/>
-              <a:t> : selection on the film to edit :</a:t>
-            </a:r>
-          </a:p>
-        </p:txBody>
-      </p:sp>
-      <p:sp>
-        <p:nvSpPr>
-          <p:cNvPr id="3" name="Titre 2"/>
-          <p:cNvSpPr>
-            <a:spLocks noGrp="1"/>
-          </p:cNvSpPr>
-          <p:nvPr>
-            <p:ph type="title"/>
-          </p:nvPr>
-        </p:nvSpPr>
-        <p:spPr bwMode="gray">
-          <a:xfrm>
-            <a:off x="544439" y="260648"/>
-            <a:ext cx="8045374" cy="332546"/>
-          </a:xfrm>
-        </p:spPr>
-        <p:txBody>
-          <a:bodyPr/>
-          <a:lstStyle/>
-          <a:p>
-            <a:r>
-              <a:rPr lang="fr-FR" cap="none" dirty="0" err="1"/>
-              <a:t>AngularJS</a:t>
-            </a:r>
-            <a:endParaRPr lang="en-GB" cap="none" dirty="0"/>
-          </a:p>
-        </p:txBody>
-      </p:sp>
-      <p:sp>
-        <p:nvSpPr>
-          <p:cNvPr id="5" name="Espace réservé du numéro de diapositive 4"/>
-          <p:cNvSpPr>
-            <a:spLocks noGrp="1"/>
-          </p:cNvSpPr>
-          <p:nvPr>
-            <p:ph type="sldNum" sz="quarter" idx="12"/>
-          </p:nvPr>
-        </p:nvSpPr>
-        <p:spPr bwMode="gray"/>
-        <p:txBody>
-          <a:bodyPr/>
-          <a:lstStyle/>
-          <a:p>
-            <a:fld id="{AF43E6FD-AB27-4108-A2FC-346BB5F75E3F}" type="slidenum">
-              <a:rPr lang="fr-FR" smtClean="0"/>
-              <a:pPr/>
-              <a:t>12</a:t>
             </a:fld>
             <a:endParaRPr lang="fr-FR" dirty="0"/>
           </a:p>
@@ -11541,6 +11210,199 @@
 </p:sld>
 </file>
 
+<file path=ppt/slides/slide12.xml><?xml version="1.0" encoding="utf-8"?>
+<p:sld xmlns:a="http://schemas.openxmlformats.org/drawingml/2006/main" xmlns:r="http://schemas.openxmlformats.org/officeDocument/2006/relationships" xmlns:p="http://schemas.openxmlformats.org/presentationml/2006/main">
+  <p:cSld>
+    <p:spTree>
+      <p:nvGrpSpPr>
+        <p:cNvPr id="1" name=""/>
+        <p:cNvGrpSpPr/>
+        <p:nvPr/>
+      </p:nvGrpSpPr>
+      <p:grpSpPr>
+        <a:xfrm>
+          <a:off x="0" y="0"/>
+          <a:ext cx="0" cy="0"/>
+          <a:chOff x="0" y="0"/>
+          <a:chExt cx="0" cy="0"/>
+        </a:xfrm>
+      </p:grpSpPr>
+      <p:sp>
+        <p:nvSpPr>
+          <p:cNvPr id="2" name="Espace réservé du contenu 1"/>
+          <p:cNvSpPr>
+            <a:spLocks noGrp="1"/>
+          </p:cNvSpPr>
+          <p:nvPr>
+            <p:ph idx="1"/>
+          </p:nvPr>
+        </p:nvSpPr>
+        <p:spPr bwMode="gray">
+          <a:xfrm>
+            <a:off x="418356" y="1373585"/>
+            <a:ext cx="2745023" cy="4681537"/>
+          </a:xfrm>
+        </p:spPr>
+        <p:txBody>
+          <a:bodyPr/>
+          <a:lstStyle/>
+          <a:p>
+            <a:r>
+              <a:rPr lang="en-US" sz="1600" dirty="0"/>
+              <a:t>Resolution gives a chance to prepare data and inject them in the controller when they are ready. </a:t>
+            </a:r>
+          </a:p>
+        </p:txBody>
+      </p:sp>
+      <p:sp>
+        <p:nvSpPr>
+          <p:cNvPr id="3" name="Titre 2"/>
+          <p:cNvSpPr>
+            <a:spLocks noGrp="1"/>
+          </p:cNvSpPr>
+          <p:nvPr>
+            <p:ph type="title"/>
+          </p:nvPr>
+        </p:nvSpPr>
+        <p:spPr bwMode="gray">
+          <a:xfrm>
+            <a:off x="544439" y="260648"/>
+            <a:ext cx="8045374" cy="332546"/>
+          </a:xfrm>
+        </p:spPr>
+        <p:txBody>
+          <a:bodyPr/>
+          <a:lstStyle/>
+          <a:p>
+            <a:r>
+              <a:rPr lang="fr-FR" cap="none" dirty="0" err="1"/>
+              <a:t>AngularJS</a:t>
+            </a:r>
+            <a:endParaRPr lang="en-GB" cap="none" dirty="0"/>
+          </a:p>
+        </p:txBody>
+      </p:sp>
+      <p:sp>
+        <p:nvSpPr>
+          <p:cNvPr id="5" name="Espace réservé du numéro de diapositive 4"/>
+          <p:cNvSpPr>
+            <a:spLocks noGrp="1"/>
+          </p:cNvSpPr>
+          <p:nvPr>
+            <p:ph type="sldNum" sz="quarter" idx="12"/>
+          </p:nvPr>
+        </p:nvSpPr>
+        <p:spPr bwMode="gray"/>
+        <p:txBody>
+          <a:bodyPr/>
+          <a:lstStyle/>
+          <a:p>
+            <a:fld id="{AF43E6FD-AB27-4108-A2FC-346BB5F75E3F}" type="slidenum">
+              <a:rPr lang="fr-FR" smtClean="0"/>
+              <a:pPr/>
+              <a:t>12</a:t>
+            </a:fld>
+            <a:endParaRPr lang="fr-FR" dirty="0"/>
+          </a:p>
+        </p:txBody>
+      </p:sp>
+      <p:sp>
+        <p:nvSpPr>
+          <p:cNvPr id="10" name="Espace réservé du texte 9"/>
+          <p:cNvSpPr>
+            <a:spLocks noGrp="1"/>
+          </p:cNvSpPr>
+          <p:nvPr>
+            <p:ph type="body" sz="quarter" idx="13"/>
+          </p:nvPr>
+        </p:nvSpPr>
+        <p:spPr bwMode="gray"/>
+        <p:txBody>
+          <a:bodyPr/>
+          <a:lstStyle/>
+          <a:p>
+            <a:r>
+              <a:rPr lang="en-GB" cap="none" dirty="0"/>
+              <a:t>Using state </a:t>
+            </a:r>
+            <a:r>
+              <a:rPr lang="en-GB" cap="none" dirty="0" err="1"/>
+              <a:t>param</a:t>
+            </a:r>
+            <a:r>
+              <a:rPr lang="en-GB" cap="none" dirty="0"/>
+              <a:t> in URL resolve ....</a:t>
+            </a:r>
+          </a:p>
+        </p:txBody>
+      </p:sp>
+      <p:sp>
+        <p:nvSpPr>
+          <p:cNvPr id="6" name="Espace réservé du pied de page 5"/>
+          <p:cNvSpPr>
+            <a:spLocks noGrp="1"/>
+          </p:cNvSpPr>
+          <p:nvPr>
+            <p:ph type="ftr" sz="quarter" idx="11"/>
+          </p:nvPr>
+        </p:nvSpPr>
+        <p:spPr/>
+        <p:txBody>
+          <a:bodyPr/>
+          <a:lstStyle/>
+          <a:p>
+            <a:r>
+              <a:rPr lang="fr-FR"/>
+              <a:t>Nom de la présentation</a:t>
+            </a:r>
+            <a:endParaRPr lang="fr-FR" dirty="0"/>
+          </a:p>
+        </p:txBody>
+      </p:sp>
+      <p:pic>
+        <p:nvPicPr>
+          <p:cNvPr id="7" name="Image 6"/>
+          <p:cNvPicPr>
+            <a:picLocks noChangeAspect="1"/>
+          </p:cNvPicPr>
+          <p:nvPr/>
+        </p:nvPicPr>
+        <p:blipFill>
+          <a:blip r:embed="rId3"/>
+          <a:stretch>
+            <a:fillRect/>
+          </a:stretch>
+        </p:blipFill>
+        <p:spPr>
+          <a:xfrm>
+            <a:off x="3332013" y="1304528"/>
+            <a:ext cx="5257800" cy="4819650"/>
+          </a:xfrm>
+          <a:prstGeom prst="rect">
+            <a:avLst/>
+          </a:prstGeom>
+        </p:spPr>
+      </p:pic>
+    </p:spTree>
+    <p:extLst>
+      <p:ext uri="{BB962C8B-B14F-4D97-AF65-F5344CB8AC3E}">
+        <p14:creationId xmlns:p14="http://schemas.microsoft.com/office/powerpoint/2010/main" val="2526031973"/>
+      </p:ext>
+    </p:extLst>
+  </p:cSld>
+  <p:clrMapOvr>
+    <a:masterClrMapping/>
+  </p:clrMapOvr>
+  <p:timing>
+    <p:tnLst>
+      <p:par>
+        <p:cTn id="1" dur="indefinite" restart="never" nodeType="tmRoot"/>
+      </p:par>
+    </p:tnLst>
+  </p:timing>
+</p:sld>
+</file>
+
 <file path=ppt/slides/slide13.xml><?xml version="1.0" encoding="utf-8"?>
 <p:sld xmlns:a="http://schemas.openxmlformats.org/drawingml/2006/main" xmlns:r="http://schemas.openxmlformats.org/officeDocument/2006/relationships" xmlns:p="http://schemas.openxmlformats.org/presentationml/2006/main">
   <p:cSld>
@@ -11568,215 +11430,6 @@
             <p:ph type="title"/>
           </p:nvPr>
         </p:nvSpPr>
-        <p:spPr/>
-        <p:txBody>
-          <a:bodyPr/>
-          <a:lstStyle/>
-          <a:p>
-            <a:r>
-              <a:rPr lang="fr-FR" dirty="0" smtClean="0"/>
-              <a:t>Router</a:t>
-            </a:r>
-            <a:endParaRPr lang="fr-FR" dirty="0"/>
-          </a:p>
-        </p:txBody>
-      </p:sp>
-      <p:sp>
-        <p:nvSpPr>
-          <p:cNvPr id="4" name="Espace réservé du pied de page 3"/>
-          <p:cNvSpPr>
-            <a:spLocks noGrp="1"/>
-          </p:cNvSpPr>
-          <p:nvPr>
-            <p:ph type="ftr" sz="quarter" idx="11"/>
-          </p:nvPr>
-        </p:nvSpPr>
-        <p:spPr/>
-        <p:txBody>
-          <a:bodyPr/>
-          <a:lstStyle/>
-          <a:p>
-            <a:r>
-              <a:rPr lang="fr-FR"/>
-              <a:t>Java Config</a:t>
-            </a:r>
-            <a:endParaRPr lang="fr-FR" dirty="0"/>
-          </a:p>
-        </p:txBody>
-      </p:sp>
-      <p:sp>
-        <p:nvSpPr>
-          <p:cNvPr id="5" name="Espace réservé du numéro de diapositive 4"/>
-          <p:cNvSpPr>
-            <a:spLocks noGrp="1"/>
-          </p:cNvSpPr>
-          <p:nvPr>
-            <p:ph type="sldNum" sz="quarter" idx="12"/>
-          </p:nvPr>
-        </p:nvSpPr>
-        <p:spPr/>
-        <p:txBody>
-          <a:bodyPr/>
-          <a:lstStyle/>
-          <a:p>
-            <a:fld id="{AF43E6FD-AB27-4108-A2FC-346BB5F75E3F}" type="slidenum">
-              <a:rPr lang="fr-FR" smtClean="0"/>
-              <a:pPr/>
-              <a:t>13</a:t>
-            </a:fld>
-            <a:endParaRPr lang="fr-FR" dirty="0"/>
-          </a:p>
-        </p:txBody>
-      </p:sp>
-      <p:sp>
-        <p:nvSpPr>
-          <p:cNvPr id="6" name="Espace réservé du texte 5"/>
-          <p:cNvSpPr>
-            <a:spLocks noGrp="1"/>
-          </p:cNvSpPr>
-          <p:nvPr>
-            <p:ph type="body" sz="quarter" idx="13"/>
-          </p:nvPr>
-        </p:nvSpPr>
-        <p:spPr/>
-        <p:txBody>
-          <a:bodyPr/>
-          <a:lstStyle/>
-          <a:p>
-            <a:r>
-              <a:rPr lang="fr-FR" dirty="0"/>
-              <a:t>$</a:t>
-            </a:r>
-            <a:r>
-              <a:rPr lang="fr-FR" dirty="0" err="1"/>
-              <a:t>state.go</a:t>
-            </a:r>
-            <a:endParaRPr lang="fr-FR" dirty="0"/>
-          </a:p>
-        </p:txBody>
-      </p:sp>
-      <p:pic>
-        <p:nvPicPr>
-          <p:cNvPr id="8" name="Image 7"/>
-          <p:cNvPicPr>
-            <a:picLocks noChangeAspect="1"/>
-          </p:cNvPicPr>
-          <p:nvPr/>
-        </p:nvPicPr>
-        <p:blipFill>
-          <a:blip r:embed="rId2"/>
-          <a:stretch>
-            <a:fillRect/>
-          </a:stretch>
-        </p:blipFill>
-        <p:spPr>
-          <a:xfrm>
-            <a:off x="122130" y="1684810"/>
-            <a:ext cx="8819108" cy="4979550"/>
-          </a:xfrm>
-          <a:prstGeom prst="rect">
-            <a:avLst/>
-          </a:prstGeom>
-        </p:spPr>
-      </p:pic>
-      <p:sp>
-        <p:nvSpPr>
-          <p:cNvPr id="9" name="Espace réservé du contenu 8"/>
-          <p:cNvSpPr>
-            <a:spLocks noGrp="1"/>
-          </p:cNvSpPr>
-          <p:nvPr>
-            <p:ph idx="1"/>
-          </p:nvPr>
-        </p:nvSpPr>
-        <p:spPr>
-          <a:xfrm>
-            <a:off x="281766" y="1234699"/>
-            <a:ext cx="8088511" cy="4681537"/>
-          </a:xfrm>
-        </p:spPr>
-        <p:txBody>
-          <a:bodyPr/>
-          <a:lstStyle/>
-          <a:p>
-            <a:r>
-              <a:rPr lang="fr-FR" dirty="0"/>
-              <a:t>$</a:t>
-            </a:r>
-            <a:r>
-              <a:rPr lang="fr-FR" dirty="0" err="1"/>
-              <a:t>state.go</a:t>
-            </a:r>
-            <a:r>
-              <a:rPr lang="fr-FR" dirty="0"/>
-              <a:t>( state, {}, { </a:t>
-            </a:r>
-            <a:r>
-              <a:rPr lang="fr-FR" dirty="0" err="1"/>
-              <a:t>reload</a:t>
-            </a:r>
-            <a:r>
-              <a:rPr lang="fr-FR" dirty="0"/>
-              <a:t> : </a:t>
-            </a:r>
-            <a:r>
-              <a:rPr lang="fr-FR" dirty="0" err="1"/>
-              <a:t>true</a:t>
-            </a:r>
-            <a:r>
-              <a:rPr lang="fr-FR" dirty="0"/>
-              <a:t>});</a:t>
-            </a:r>
-          </a:p>
-        </p:txBody>
-      </p:sp>
-    </p:spTree>
-    <p:extLst>
-      <p:ext uri="{BB962C8B-B14F-4D97-AF65-F5344CB8AC3E}">
-        <p14:creationId xmlns:p14="http://schemas.microsoft.com/office/powerpoint/2010/main" val="2445107289"/>
-      </p:ext>
-    </p:extLst>
-  </p:cSld>
-  <p:clrMapOvr>
-    <a:masterClrMapping/>
-  </p:clrMapOvr>
-  <p:timing>
-    <p:tnLst>
-      <p:par>
-        <p:cTn id="1" dur="indefinite" restart="never" nodeType="tmRoot"/>
-      </p:par>
-    </p:tnLst>
-  </p:timing>
-</p:sld>
-</file>
-
-<file path=ppt/slides/slide14.xml><?xml version="1.0" encoding="utf-8"?>
-<p:sld xmlns:a="http://schemas.openxmlformats.org/drawingml/2006/main" xmlns:r="http://schemas.openxmlformats.org/officeDocument/2006/relationships" xmlns:p="http://schemas.openxmlformats.org/presentationml/2006/main">
-  <p:cSld>
-    <p:spTree>
-      <p:nvGrpSpPr>
-        <p:cNvPr id="1" name=""/>
-        <p:cNvGrpSpPr/>
-        <p:nvPr/>
-      </p:nvGrpSpPr>
-      <p:grpSpPr>
-        <a:xfrm>
-          <a:off x="0" y="0"/>
-          <a:ext cx="0" cy="0"/>
-          <a:chOff x="0" y="0"/>
-          <a:chExt cx="0" cy="0"/>
-        </a:xfrm>
-      </p:grpSpPr>
-      <p:sp>
-        <p:nvSpPr>
-          <p:cNvPr id="3" name="Titre 2"/>
-          <p:cNvSpPr>
-            <a:spLocks noGrp="1"/>
-          </p:cNvSpPr>
-          <p:nvPr>
-            <p:ph type="title"/>
-          </p:nvPr>
-        </p:nvSpPr>
         <p:spPr bwMode="gray">
           <a:xfrm>
             <a:off x="544439" y="260648"/>
@@ -11813,7 +11466,7 @@
             <a:fld id="{AF43E6FD-AB27-4108-A2FC-346BB5F75E3F}" type="slidenum">
               <a:rPr lang="fr-FR" smtClean="0"/>
               <a:pPr/>
-              <a:t>14</a:t>
+              <a:t>13</a:t>
             </a:fld>
             <a:endParaRPr lang="fr-FR" dirty="0"/>
           </a:p>
@@ -11919,7 +11572,7 @@
 </p:sld>
 </file>
 
-<file path=ppt/slides/slide15.xml><?xml version="1.0" encoding="utf-8"?>
+<file path=ppt/slides/slide14.xml><?xml version="1.0" encoding="utf-8"?>
 <p:sld xmlns:a="http://schemas.openxmlformats.org/drawingml/2006/main" xmlns:r="http://schemas.openxmlformats.org/officeDocument/2006/relationships" xmlns:p="http://schemas.openxmlformats.org/presentationml/2006/main">
   <p:cSld>
     <p:spTree>
@@ -12004,7 +11657,7 @@
             <a:fld id="{AF43E6FD-AB27-4108-A2FC-346BB5F75E3F}" type="slidenum">
               <a:rPr lang="fr-FR" smtClean="0"/>
               <a:pPr/>
-              <a:t>15</a:t>
+              <a:t>14</a:t>
             </a:fld>
             <a:endParaRPr lang="fr-FR" dirty="0"/>
           </a:p>
@@ -12204,7 +11857,7 @@
 </p:sld>
 </file>
 
-<file path=ppt/slides/slide16.xml><?xml version="1.0" encoding="utf-8"?>
+<file path=ppt/slides/slide15.xml><?xml version="1.0" encoding="utf-8"?>
 <p:sld xmlns:a="http://schemas.openxmlformats.org/drawingml/2006/main" xmlns:r="http://schemas.openxmlformats.org/officeDocument/2006/relationships" xmlns:p="http://schemas.openxmlformats.org/presentationml/2006/main">
   <p:cSld>
     <p:spTree>
@@ -12289,7 +11942,7 @@
             <a:fld id="{AF43E6FD-AB27-4108-A2FC-346BB5F75E3F}" type="slidenum">
               <a:rPr lang="fr-FR" smtClean="0"/>
               <a:pPr/>
-              <a:t>16</a:t>
+              <a:t>15</a:t>
             </a:fld>
             <a:endParaRPr lang="fr-FR" dirty="0"/>
           </a:p>
@@ -12393,7 +12046,7 @@
 </p:sld>
 </file>
 
-<file path=ppt/slides/slide17.xml><?xml version="1.0" encoding="utf-8"?>
+<file path=ppt/slides/slide16.xml><?xml version="1.0" encoding="utf-8"?>
 <p:sld xmlns:a="http://schemas.openxmlformats.org/drawingml/2006/main" xmlns:r="http://schemas.openxmlformats.org/officeDocument/2006/relationships" xmlns:p="http://schemas.openxmlformats.org/presentationml/2006/main">
   <p:cSld>
     <p:spTree>
@@ -12478,7 +12131,7 @@
             <a:fld id="{AF43E6FD-AB27-4108-A2FC-346BB5F75E3F}" type="slidenum">
               <a:rPr lang="fr-FR" smtClean="0"/>
               <a:pPr/>
-              <a:t>17</a:t>
+              <a:t>16</a:t>
             </a:fld>
             <a:endParaRPr lang="fr-FR" dirty="0"/>
           </a:p>
@@ -12562,197 +12215,6 @@
     <p:extLst>
       <p:ext uri="{BB962C8B-B14F-4D97-AF65-F5344CB8AC3E}">
         <p14:creationId xmlns:p14="http://schemas.microsoft.com/office/powerpoint/2010/main" val="2526031973"/>
-      </p:ext>
-    </p:extLst>
-  </p:cSld>
-  <p:clrMapOvr>
-    <a:masterClrMapping/>
-  </p:clrMapOvr>
-  <p:timing>
-    <p:tnLst>
-      <p:par>
-        <p:cTn id="1" dur="indefinite" restart="never" nodeType="tmRoot"/>
-      </p:par>
-    </p:tnLst>
-  </p:timing>
-</p:sld>
-</file>
-
-<file path=ppt/slides/slide18.xml><?xml version="1.0" encoding="utf-8"?>
-<p:sld xmlns:a="http://schemas.openxmlformats.org/drawingml/2006/main" xmlns:r="http://schemas.openxmlformats.org/officeDocument/2006/relationships" xmlns:p="http://schemas.openxmlformats.org/presentationml/2006/main">
-  <p:cSld>
-    <p:spTree>
-      <p:nvGrpSpPr>
-        <p:cNvPr id="1" name=""/>
-        <p:cNvGrpSpPr/>
-        <p:nvPr/>
-      </p:nvGrpSpPr>
-      <p:grpSpPr>
-        <a:xfrm>
-          <a:off x="0" y="0"/>
-          <a:ext cx="0" cy="0"/>
-          <a:chOff x="0" y="0"/>
-          <a:chExt cx="0" cy="0"/>
-        </a:xfrm>
-      </p:grpSpPr>
-      <p:sp>
-        <p:nvSpPr>
-          <p:cNvPr id="2" name="Espace réservé du contenu 1"/>
-          <p:cNvSpPr>
-            <a:spLocks noGrp="1"/>
-          </p:cNvSpPr>
-          <p:nvPr>
-            <p:ph idx="1"/>
-          </p:nvPr>
-        </p:nvSpPr>
-        <p:spPr bwMode="gray"/>
-        <p:txBody>
-          <a:bodyPr/>
-          <a:lstStyle/>
-          <a:p>
-            <a:r>
-              <a:rPr lang="en-US" dirty="0" err="1"/>
-              <a:t>PluralSight</a:t>
-            </a:r>
-            <a:r>
-              <a:rPr lang="en-US" dirty="0"/>
-              <a:t> Angular UI Fundamental </a:t>
-            </a:r>
-            <a:r>
-              <a:rPr lang="fr-FR" dirty="0"/>
-              <a:t>by Steve </a:t>
-            </a:r>
-            <a:r>
-              <a:rPr lang="fr-FR" dirty="0" err="1"/>
-              <a:t>Michelotti</a:t>
-            </a:r>
-            <a:endParaRPr lang="en-US" dirty="0"/>
-          </a:p>
-          <a:p>
-            <a:pPr lvl="1"/>
-            <a:r>
-              <a:rPr lang="en-US" dirty="0"/>
-              <a:t>chapter 3 : UI-Router</a:t>
-            </a:r>
-          </a:p>
-          <a:p>
-            <a:pPr lvl="1"/>
-            <a:r>
-              <a:rPr lang="en-US" dirty="0">
-                <a:hlinkClick r:id="rId3"/>
-              </a:rPr>
-              <a:t>http://www.pluralsight.com/courses/angularui-fundamentals</a:t>
-            </a:r>
-            <a:endParaRPr lang="en-US" dirty="0"/>
-          </a:p>
-          <a:p>
-            <a:pPr lvl="1"/>
-            <a:endParaRPr lang="en-US" dirty="0"/>
-          </a:p>
-          <a:p>
-            <a:pPr lvl="1"/>
-            <a:endParaRPr lang="en-US" dirty="0"/>
-          </a:p>
-        </p:txBody>
-      </p:sp>
-      <p:sp>
-        <p:nvSpPr>
-          <p:cNvPr id="3" name="Titre 2"/>
-          <p:cNvSpPr>
-            <a:spLocks noGrp="1"/>
-          </p:cNvSpPr>
-          <p:nvPr>
-            <p:ph type="title"/>
-          </p:nvPr>
-        </p:nvSpPr>
-        <p:spPr bwMode="gray">
-          <a:xfrm>
-            <a:off x="544439" y="260648"/>
-            <a:ext cx="8045374" cy="332546"/>
-          </a:xfrm>
-        </p:spPr>
-        <p:txBody>
-          <a:bodyPr/>
-          <a:lstStyle/>
-          <a:p>
-            <a:r>
-              <a:rPr lang="fr-FR" cap="none" dirty="0" err="1"/>
-              <a:t>AngularJS</a:t>
-            </a:r>
-            <a:endParaRPr lang="en-GB" cap="none" dirty="0"/>
-          </a:p>
-        </p:txBody>
-      </p:sp>
-      <p:sp>
-        <p:nvSpPr>
-          <p:cNvPr id="5" name="Espace réservé du numéro de diapositive 4"/>
-          <p:cNvSpPr>
-            <a:spLocks noGrp="1"/>
-          </p:cNvSpPr>
-          <p:nvPr>
-            <p:ph type="sldNum" sz="quarter" idx="12"/>
-          </p:nvPr>
-        </p:nvSpPr>
-        <p:spPr bwMode="gray"/>
-        <p:txBody>
-          <a:bodyPr/>
-          <a:lstStyle/>
-          <a:p>
-            <a:fld id="{AF43E6FD-AB27-4108-A2FC-346BB5F75E3F}" type="slidenum">
-              <a:rPr lang="fr-FR" smtClean="0"/>
-              <a:pPr/>
-              <a:t>18</a:t>
-            </a:fld>
-            <a:endParaRPr lang="fr-FR" dirty="0"/>
-          </a:p>
-        </p:txBody>
-      </p:sp>
-      <p:sp>
-        <p:nvSpPr>
-          <p:cNvPr id="10" name="Espace réservé du texte 9"/>
-          <p:cNvSpPr>
-            <a:spLocks noGrp="1"/>
-          </p:cNvSpPr>
-          <p:nvPr>
-            <p:ph type="body" sz="quarter" idx="13"/>
-          </p:nvPr>
-        </p:nvSpPr>
-        <p:spPr bwMode="gray"/>
-        <p:txBody>
-          <a:bodyPr/>
-          <a:lstStyle/>
-          <a:p>
-            <a:endParaRPr lang="en-GB" cap="none" dirty="0"/>
-          </a:p>
-        </p:txBody>
-      </p:sp>
-      <p:sp>
-        <p:nvSpPr>
-          <p:cNvPr id="6" name="Espace réservé du pied de page 5"/>
-          <p:cNvSpPr>
-            <a:spLocks noGrp="1"/>
-          </p:cNvSpPr>
-          <p:nvPr>
-            <p:ph type="ftr" sz="quarter" idx="11"/>
-          </p:nvPr>
-        </p:nvSpPr>
-        <p:spPr/>
-        <p:txBody>
-          <a:bodyPr/>
-          <a:lstStyle/>
-          <a:p>
-            <a:r>
-              <a:rPr lang="fr-FR"/>
-              <a:t>Nom de la présentation</a:t>
-            </a:r>
-            <a:endParaRPr lang="fr-FR" dirty="0"/>
-          </a:p>
-        </p:txBody>
-      </p:sp>
-    </p:spTree>
-    <p:extLst>
-      <p:ext uri="{BB962C8B-B14F-4D97-AF65-F5344CB8AC3E}">
-        <p14:creationId xmlns:p14="http://schemas.microsoft.com/office/powerpoint/2010/main" val="3928286616"/>
       </p:ext>
     </p:extLst>
   </p:cSld>
@@ -14552,20 +14014,35 @@
           <a:lstStyle/>
           <a:p>
             <a:r>
-              <a:rPr lang="en-GB" dirty="0" err="1"/>
+              <a:rPr lang="en-GB" dirty="0" smtClean="0"/>
+              <a:t>In a HTML template :</a:t>
+            </a:r>
+          </a:p>
+          <a:p>
+            <a:pPr lvl="1"/>
+            <a:r>
+              <a:rPr lang="en-GB" dirty="0" err="1" smtClean="0"/>
               <a:t>ui-sref</a:t>
             </a:r>
             <a:r>
+              <a:rPr lang="en-GB" dirty="0" smtClean="0"/>
+              <a:t> </a:t>
+            </a:r>
+            <a:r>
               <a:rPr lang="en-GB" dirty="0"/>
-              <a:t> could be used on &lt;a&gt;, &lt;button&gt; , on </a:t>
-            </a:r>
-            <a:r>
-              <a:rPr lang="en-GB" dirty="0" err="1"/>
-              <a:t>ANYthing</a:t>
+              <a:t>could be used on &lt;a&gt;, &lt;button&gt; , on </a:t>
+            </a:r>
+            <a:r>
+              <a:rPr lang="en-GB" dirty="0" smtClean="0"/>
+              <a:t>any</a:t>
+            </a:r>
+            <a:r>
+              <a:rPr lang="en-GB" dirty="0" smtClean="0"/>
+              <a:t>thing </a:t>
             </a:r>
             <a:r>
               <a:rPr lang="en-GB" dirty="0"/>
-              <a:t> !</a:t>
+              <a:t>!</a:t>
             </a:r>
           </a:p>
           <a:p>
@@ -14576,7 +14053,14 @@
           </a:p>
           <a:p>
             <a:r>
-              <a:rPr lang="en-US" dirty="0"/>
+              <a:rPr lang="en-US" dirty="0" smtClean="0"/>
+              <a:t>On a JavaScript service or controller </a:t>
+            </a:r>
+          </a:p>
+          <a:p>
+            <a:pPr lvl="1"/>
+            <a:r>
+              <a:rPr lang="en-US" dirty="0" smtClean="0"/>
               <a:t>$</a:t>
             </a:r>
             <a:r>
@@ -14593,24 +14077,6 @@
           </a:p>
           <a:p>
             <a:endParaRPr lang="en-US" dirty="0"/>
-          </a:p>
-          <a:p>
-            <a:r>
-              <a:rPr lang="en-US" dirty="0" smtClean="0"/>
-              <a:t>If </a:t>
-            </a:r>
-            <a:r>
-              <a:rPr lang="en-US" dirty="0"/>
-              <a:t>you want to refresh data, use the reload </a:t>
-            </a:r>
-            <a:r>
-              <a:rPr lang="en-US" dirty="0" err="1"/>
-              <a:t>param</a:t>
-            </a:r>
-            <a:r>
-              <a:rPr lang="en-US" dirty="0"/>
-              <a:t> as :</a:t>
-            </a:r>
           </a:p>
         </p:txBody>
       </p:sp>
@@ -14728,7 +14194,7 @@
         </p:blipFill>
         <p:spPr bwMode="auto">
           <a:xfrm>
-            <a:off x="579540" y="1438538"/>
+            <a:off x="1222031" y="2085650"/>
             <a:ext cx="3401764" cy="423862"/>
           </a:xfrm>
           <a:prstGeom prst="rect">
@@ -14760,7 +14226,7 @@
         </p:blipFill>
         <p:spPr bwMode="auto">
           <a:xfrm>
-            <a:off x="2034051" y="3098976"/>
+            <a:off x="1177431" y="4268495"/>
             <a:ext cx="3042005" cy="890587"/>
           </a:xfrm>
           <a:prstGeom prst="rect">
@@ -14777,7 +14243,7 @@
       </p:pic>
       <p:pic>
         <p:nvPicPr>
-          <p:cNvPr id="1026" name="Picture 2"/>
+          <p:cNvPr id="1027" name="Picture 3"/>
           <p:cNvPicPr>
             <a:picLocks noChangeAspect="1" noChangeArrowheads="1"/>
           </p:cNvPicPr>
@@ -14792,40 +14258,7 @@
         </p:blipFill>
         <p:spPr bwMode="auto">
           <a:xfrm>
-            <a:off x="1375259" y="5426414"/>
-            <a:ext cx="5212090" cy="542926"/>
-          </a:xfrm>
-          <a:prstGeom prst="rect">
-            <a:avLst/>
-          </a:prstGeom>
-          <a:noFill/>
-          <a:ln w="9525">
-            <a:noFill/>
-            <a:miter lim="800000"/>
-            <a:headEnd/>
-            <a:tailEnd/>
-          </a:ln>
-          <a:effectLst/>
-        </p:spPr>
-      </p:pic>
-      <p:pic>
-        <p:nvPicPr>
-          <p:cNvPr id="1027" name="Picture 3"/>
-          <p:cNvPicPr>
-            <a:picLocks noChangeAspect="1" noChangeArrowheads="1"/>
-          </p:cNvPicPr>
-          <p:nvPr/>
-        </p:nvPicPr>
-        <p:blipFill>
-          <a:blip r:embed="rId6"/>
-          <a:srcRect/>
-          <a:stretch>
-            <a:fillRect/>
-          </a:stretch>
-        </p:blipFill>
-        <p:spPr bwMode="auto">
-          <a:xfrm>
-            <a:off x="2028824" y="4125466"/>
+            <a:off x="1177431" y="5525964"/>
             <a:ext cx="4988719" cy="428625"/>
           </a:xfrm>
           <a:prstGeom prst="rect">
@@ -14839,30 +14272,6 @@
             <a:tailEnd/>
           </a:ln>
           <a:effectLst/>
-        </p:spPr>
-      </p:pic>
-      <p:pic>
-        <p:nvPicPr>
-          <p:cNvPr id="7" name="Image 6"/>
-          <p:cNvPicPr>
-            <a:picLocks noChangeAspect="1"/>
-          </p:cNvPicPr>
-          <p:nvPr/>
-        </p:nvPicPr>
-        <p:blipFill>
-          <a:blip r:embed="rId7"/>
-          <a:stretch>
-            <a:fillRect/>
-          </a:stretch>
-        </p:blipFill>
-        <p:spPr>
-          <a:xfrm>
-            <a:off x="859631" y="1959053"/>
-            <a:ext cx="4591050" cy="342900"/>
-          </a:xfrm>
-          <a:prstGeom prst="rect">
-            <a:avLst/>
-          </a:prstGeom>
         </p:spPr>
       </p:pic>
     </p:spTree>
